--- a/ppt 16-9/1075.跟随救主.pptx
+++ b/ppt 16-9/1075.跟随救主.pptx
@@ -129,7 +129,7 @@
           <p:cNvPr id="2" name="标题 1">
             <a:extLst>
               <a:ext uri="{FF2B5EF4-FFF2-40B4-BE49-F238E27FC236}">
-                <a16:creationId xmlns:a16="http://schemas.microsoft.com/office/drawing/2014/main" id="{2180853E-93A6-5CD6-625D-5D1699EE4C37}"/>
+                <a16:creationId xmlns:a16="http://schemas.microsoft.com/office/drawing/2014/main" id="{13D45F7F-059D-1B06-4265-5741FEC68120}"/>
               </a:ext>
             </a:extLst>
           </p:cNvPr>
@@ -166,7 +166,7 @@
           <p:cNvPr id="3" name="副标题 2">
             <a:extLst>
               <a:ext uri="{FF2B5EF4-FFF2-40B4-BE49-F238E27FC236}">
-                <a16:creationId xmlns:a16="http://schemas.microsoft.com/office/drawing/2014/main" id="{87888ED0-C2B9-7FE3-26D4-7E4A08B75407}"/>
+                <a16:creationId xmlns:a16="http://schemas.microsoft.com/office/drawing/2014/main" id="{DBA920FC-0D97-493E-693D-3A695389A082}"/>
               </a:ext>
             </a:extLst>
           </p:cNvPr>
@@ -236,7 +236,7 @@
           <p:cNvPr id="4" name="日期占位符 3">
             <a:extLst>
               <a:ext uri="{FF2B5EF4-FFF2-40B4-BE49-F238E27FC236}">
-                <a16:creationId xmlns:a16="http://schemas.microsoft.com/office/drawing/2014/main" id="{520E3DB8-CD70-2E10-5E7A-A11E46B5CD60}"/>
+                <a16:creationId xmlns:a16="http://schemas.microsoft.com/office/drawing/2014/main" id="{7CD30B36-F06E-C85C-14D6-0FCA444CEFB8}"/>
               </a:ext>
             </a:extLst>
           </p:cNvPr>
@@ -252,7 +252,7 @@
           <a:bodyPr/>
           <a:lstStyle/>
           <a:p>
-            <a:fld id="{AE088C2C-3DBD-4602-9727-4E53893C8B62}" type="datetimeFigureOut">
+            <a:fld id="{8C73767E-02DC-483D-93C3-397E7F6A087F}" type="datetimeFigureOut">
               <a:rPr lang="zh-CN" altLang="en-US" smtClean="0"/>
               <a:t>2024/3/10</a:t>
             </a:fld>
@@ -265,7 +265,7 @@
           <p:cNvPr id="5" name="页脚占位符 4">
             <a:extLst>
               <a:ext uri="{FF2B5EF4-FFF2-40B4-BE49-F238E27FC236}">
-                <a16:creationId xmlns:a16="http://schemas.microsoft.com/office/drawing/2014/main" id="{66C30AF7-96EE-0790-7929-2E4494E64B16}"/>
+                <a16:creationId xmlns:a16="http://schemas.microsoft.com/office/drawing/2014/main" id="{EC22E3C8-F764-98F1-4E28-29C2D3137480}"/>
               </a:ext>
             </a:extLst>
           </p:cNvPr>
@@ -290,7 +290,7 @@
           <p:cNvPr id="6" name="灯片编号占位符 5">
             <a:extLst>
               <a:ext uri="{FF2B5EF4-FFF2-40B4-BE49-F238E27FC236}">
-                <a16:creationId xmlns:a16="http://schemas.microsoft.com/office/drawing/2014/main" id="{039FE932-6CF8-E4B7-1CD4-73444179D9CB}"/>
+                <a16:creationId xmlns:a16="http://schemas.microsoft.com/office/drawing/2014/main" id="{EC26F5A3-8F94-C4E1-6992-FCCFD8A166A6}"/>
               </a:ext>
             </a:extLst>
           </p:cNvPr>
@@ -306,7 +306,7 @@
           <a:bodyPr/>
           <a:lstStyle/>
           <a:p>
-            <a:fld id="{2E301E7B-1D27-4254-A2E9-98A48898F7AC}" type="slidenum">
+            <a:fld id="{D088C63B-25D1-4A69-8F55-E1D5BC0FC5A6}" type="slidenum">
               <a:rPr lang="zh-CN" altLang="en-US" smtClean="0"/>
               <a:t>‹#›</a:t>
             </a:fld>
@@ -317,7 +317,7 @@
     </p:spTree>
     <p:extLst>
       <p:ext uri="{BB962C8B-B14F-4D97-AF65-F5344CB8AC3E}">
-        <p14:creationId xmlns:p14="http://schemas.microsoft.com/office/powerpoint/2010/main" val="116848892"/>
+        <p14:creationId xmlns:p14="http://schemas.microsoft.com/office/powerpoint/2010/main" val="4083892678"/>
       </p:ext>
     </p:extLst>
   </p:cSld>
@@ -349,7 +349,7 @@
           <p:cNvPr id="2" name="标题 1">
             <a:extLst>
               <a:ext uri="{FF2B5EF4-FFF2-40B4-BE49-F238E27FC236}">
-                <a16:creationId xmlns:a16="http://schemas.microsoft.com/office/drawing/2014/main" id="{9C61B121-7D84-9D2D-B1C2-9D40F6C307F3}"/>
+                <a16:creationId xmlns:a16="http://schemas.microsoft.com/office/drawing/2014/main" id="{D444E329-0A71-6BD8-08BA-DFDD02671032}"/>
               </a:ext>
             </a:extLst>
           </p:cNvPr>
@@ -377,7 +377,7 @@
           <p:cNvPr id="3" name="竖排文字占位符 2">
             <a:extLst>
               <a:ext uri="{FF2B5EF4-FFF2-40B4-BE49-F238E27FC236}">
-                <a16:creationId xmlns:a16="http://schemas.microsoft.com/office/drawing/2014/main" id="{762E8DCB-7A44-2152-23FD-63AC72180D39}"/>
+                <a16:creationId xmlns:a16="http://schemas.microsoft.com/office/drawing/2014/main" id="{D1AB99E7-0B22-C873-B74A-1814CFAE876F}"/>
               </a:ext>
             </a:extLst>
           </p:cNvPr>
@@ -434,7 +434,7 @@
           <p:cNvPr id="4" name="日期占位符 3">
             <a:extLst>
               <a:ext uri="{FF2B5EF4-FFF2-40B4-BE49-F238E27FC236}">
-                <a16:creationId xmlns:a16="http://schemas.microsoft.com/office/drawing/2014/main" id="{6FE802A3-DB47-1FA3-505E-A71C0C68E300}"/>
+                <a16:creationId xmlns:a16="http://schemas.microsoft.com/office/drawing/2014/main" id="{5235062D-99D9-7A2C-F29D-98CE660416C8}"/>
               </a:ext>
             </a:extLst>
           </p:cNvPr>
@@ -450,7 +450,7 @@
           <a:bodyPr/>
           <a:lstStyle/>
           <a:p>
-            <a:fld id="{AE088C2C-3DBD-4602-9727-4E53893C8B62}" type="datetimeFigureOut">
+            <a:fld id="{8C73767E-02DC-483D-93C3-397E7F6A087F}" type="datetimeFigureOut">
               <a:rPr lang="zh-CN" altLang="en-US" smtClean="0"/>
               <a:t>2024/3/10</a:t>
             </a:fld>
@@ -463,7 +463,7 @@
           <p:cNvPr id="5" name="页脚占位符 4">
             <a:extLst>
               <a:ext uri="{FF2B5EF4-FFF2-40B4-BE49-F238E27FC236}">
-                <a16:creationId xmlns:a16="http://schemas.microsoft.com/office/drawing/2014/main" id="{BF09BA60-E579-2724-6AC2-47E80ED7E5AB}"/>
+                <a16:creationId xmlns:a16="http://schemas.microsoft.com/office/drawing/2014/main" id="{B85EB05F-1427-43B1-28F9-E68401C57809}"/>
               </a:ext>
             </a:extLst>
           </p:cNvPr>
@@ -488,7 +488,7 @@
           <p:cNvPr id="6" name="灯片编号占位符 5">
             <a:extLst>
               <a:ext uri="{FF2B5EF4-FFF2-40B4-BE49-F238E27FC236}">
-                <a16:creationId xmlns:a16="http://schemas.microsoft.com/office/drawing/2014/main" id="{E9695E64-323E-65FD-EA88-E934CCF59A87}"/>
+                <a16:creationId xmlns:a16="http://schemas.microsoft.com/office/drawing/2014/main" id="{3CD573A1-785F-2BCC-BB3C-387394225CF3}"/>
               </a:ext>
             </a:extLst>
           </p:cNvPr>
@@ -504,7 +504,7 @@
           <a:bodyPr/>
           <a:lstStyle/>
           <a:p>
-            <a:fld id="{2E301E7B-1D27-4254-A2E9-98A48898F7AC}" type="slidenum">
+            <a:fld id="{D088C63B-25D1-4A69-8F55-E1D5BC0FC5A6}" type="slidenum">
               <a:rPr lang="zh-CN" altLang="en-US" smtClean="0"/>
               <a:t>‹#›</a:t>
             </a:fld>
@@ -515,7 +515,7 @@
     </p:spTree>
     <p:extLst>
       <p:ext uri="{BB962C8B-B14F-4D97-AF65-F5344CB8AC3E}">
-        <p14:creationId xmlns:p14="http://schemas.microsoft.com/office/powerpoint/2010/main" val="859066191"/>
+        <p14:creationId xmlns:p14="http://schemas.microsoft.com/office/powerpoint/2010/main" val="1983743321"/>
       </p:ext>
     </p:extLst>
   </p:cSld>
@@ -547,7 +547,7 @@
           <p:cNvPr id="2" name="竖排标题 1">
             <a:extLst>
               <a:ext uri="{FF2B5EF4-FFF2-40B4-BE49-F238E27FC236}">
-                <a16:creationId xmlns:a16="http://schemas.microsoft.com/office/drawing/2014/main" id="{998E574D-0CCB-9B7A-748F-023A8AA7236B}"/>
+                <a16:creationId xmlns:a16="http://schemas.microsoft.com/office/drawing/2014/main" id="{480B6BCB-D7E9-674E-388E-25897E6159FB}"/>
               </a:ext>
             </a:extLst>
           </p:cNvPr>
@@ -580,7 +580,7 @@
           <p:cNvPr id="3" name="竖排文字占位符 2">
             <a:extLst>
               <a:ext uri="{FF2B5EF4-FFF2-40B4-BE49-F238E27FC236}">
-                <a16:creationId xmlns:a16="http://schemas.microsoft.com/office/drawing/2014/main" id="{58694B8C-42D8-6F4F-9867-03A2DC040102}"/>
+                <a16:creationId xmlns:a16="http://schemas.microsoft.com/office/drawing/2014/main" id="{BCF7B252-777B-2C92-57F3-871487FF4560}"/>
               </a:ext>
             </a:extLst>
           </p:cNvPr>
@@ -642,7 +642,7 @@
           <p:cNvPr id="4" name="日期占位符 3">
             <a:extLst>
               <a:ext uri="{FF2B5EF4-FFF2-40B4-BE49-F238E27FC236}">
-                <a16:creationId xmlns:a16="http://schemas.microsoft.com/office/drawing/2014/main" id="{4C1C0C95-635A-04ED-031E-C9CC4CF43B6B}"/>
+                <a16:creationId xmlns:a16="http://schemas.microsoft.com/office/drawing/2014/main" id="{F09445A7-9BD1-DECD-2975-BA12967B7746}"/>
               </a:ext>
             </a:extLst>
           </p:cNvPr>
@@ -658,7 +658,7 @@
           <a:bodyPr/>
           <a:lstStyle/>
           <a:p>
-            <a:fld id="{AE088C2C-3DBD-4602-9727-4E53893C8B62}" type="datetimeFigureOut">
+            <a:fld id="{8C73767E-02DC-483D-93C3-397E7F6A087F}" type="datetimeFigureOut">
               <a:rPr lang="zh-CN" altLang="en-US" smtClean="0"/>
               <a:t>2024/3/10</a:t>
             </a:fld>
@@ -671,7 +671,7 @@
           <p:cNvPr id="5" name="页脚占位符 4">
             <a:extLst>
               <a:ext uri="{FF2B5EF4-FFF2-40B4-BE49-F238E27FC236}">
-                <a16:creationId xmlns:a16="http://schemas.microsoft.com/office/drawing/2014/main" id="{DD6376B5-AC1A-FCFF-4348-8BD984633F31}"/>
+                <a16:creationId xmlns:a16="http://schemas.microsoft.com/office/drawing/2014/main" id="{A3997B68-7A13-C589-DAE9-AEDE0C448CCF}"/>
               </a:ext>
             </a:extLst>
           </p:cNvPr>
@@ -696,7 +696,7 @@
           <p:cNvPr id="6" name="灯片编号占位符 5">
             <a:extLst>
               <a:ext uri="{FF2B5EF4-FFF2-40B4-BE49-F238E27FC236}">
-                <a16:creationId xmlns:a16="http://schemas.microsoft.com/office/drawing/2014/main" id="{F7532A43-991D-BC51-1484-D4687589E692}"/>
+                <a16:creationId xmlns:a16="http://schemas.microsoft.com/office/drawing/2014/main" id="{9A7F900C-92E9-F202-8E17-37DCBA0895E5}"/>
               </a:ext>
             </a:extLst>
           </p:cNvPr>
@@ -712,7 +712,7 @@
           <a:bodyPr/>
           <a:lstStyle/>
           <a:p>
-            <a:fld id="{2E301E7B-1D27-4254-A2E9-98A48898F7AC}" type="slidenum">
+            <a:fld id="{D088C63B-25D1-4A69-8F55-E1D5BC0FC5A6}" type="slidenum">
               <a:rPr lang="zh-CN" altLang="en-US" smtClean="0"/>
               <a:t>‹#›</a:t>
             </a:fld>
@@ -723,7 +723,7 @@
     </p:spTree>
     <p:extLst>
       <p:ext uri="{BB962C8B-B14F-4D97-AF65-F5344CB8AC3E}">
-        <p14:creationId xmlns:p14="http://schemas.microsoft.com/office/powerpoint/2010/main" val="3157438310"/>
+        <p14:creationId xmlns:p14="http://schemas.microsoft.com/office/powerpoint/2010/main" val="272083690"/>
       </p:ext>
     </p:extLst>
   </p:cSld>
@@ -755,7 +755,7 @@
           <p:cNvPr id="2" name="标题 1">
             <a:extLst>
               <a:ext uri="{FF2B5EF4-FFF2-40B4-BE49-F238E27FC236}">
-                <a16:creationId xmlns:a16="http://schemas.microsoft.com/office/drawing/2014/main" id="{4284F1FF-0B84-FAEF-15A2-E7068E9413A5}"/>
+                <a16:creationId xmlns:a16="http://schemas.microsoft.com/office/drawing/2014/main" id="{0AFAEA4A-2B4C-78D5-3621-6ABBE4E2B2A3}"/>
               </a:ext>
             </a:extLst>
           </p:cNvPr>
@@ -783,7 +783,7 @@
           <p:cNvPr id="3" name="内容占位符 2">
             <a:extLst>
               <a:ext uri="{FF2B5EF4-FFF2-40B4-BE49-F238E27FC236}">
-                <a16:creationId xmlns:a16="http://schemas.microsoft.com/office/drawing/2014/main" id="{495E6B6B-AAEC-6CB3-DA02-A1958A11AF9E}"/>
+                <a16:creationId xmlns:a16="http://schemas.microsoft.com/office/drawing/2014/main" id="{97A6C755-5BB5-085E-1EC0-18FFFB14E6F1}"/>
               </a:ext>
             </a:extLst>
           </p:cNvPr>
@@ -840,7 +840,7 @@
           <p:cNvPr id="4" name="日期占位符 3">
             <a:extLst>
               <a:ext uri="{FF2B5EF4-FFF2-40B4-BE49-F238E27FC236}">
-                <a16:creationId xmlns:a16="http://schemas.microsoft.com/office/drawing/2014/main" id="{5B7C6FFE-991C-9F42-E029-4753366A87B2}"/>
+                <a16:creationId xmlns:a16="http://schemas.microsoft.com/office/drawing/2014/main" id="{CD01F6F6-75CA-A1E1-BE06-1EBBC826707D}"/>
               </a:ext>
             </a:extLst>
           </p:cNvPr>
@@ -856,7 +856,7 @@
           <a:bodyPr/>
           <a:lstStyle/>
           <a:p>
-            <a:fld id="{AE088C2C-3DBD-4602-9727-4E53893C8B62}" type="datetimeFigureOut">
+            <a:fld id="{8C73767E-02DC-483D-93C3-397E7F6A087F}" type="datetimeFigureOut">
               <a:rPr lang="zh-CN" altLang="en-US" smtClean="0"/>
               <a:t>2024/3/10</a:t>
             </a:fld>
@@ -869,7 +869,7 @@
           <p:cNvPr id="5" name="页脚占位符 4">
             <a:extLst>
               <a:ext uri="{FF2B5EF4-FFF2-40B4-BE49-F238E27FC236}">
-                <a16:creationId xmlns:a16="http://schemas.microsoft.com/office/drawing/2014/main" id="{14B558E9-870E-B1C9-FA38-A84067B63B85}"/>
+                <a16:creationId xmlns:a16="http://schemas.microsoft.com/office/drawing/2014/main" id="{DAE581F8-B503-4DB1-4B0F-3C44ABD74B0A}"/>
               </a:ext>
             </a:extLst>
           </p:cNvPr>
@@ -894,7 +894,7 @@
           <p:cNvPr id="6" name="灯片编号占位符 5">
             <a:extLst>
               <a:ext uri="{FF2B5EF4-FFF2-40B4-BE49-F238E27FC236}">
-                <a16:creationId xmlns:a16="http://schemas.microsoft.com/office/drawing/2014/main" id="{CDCB5DE1-D6C3-A784-94D8-DCE1EF4F6957}"/>
+                <a16:creationId xmlns:a16="http://schemas.microsoft.com/office/drawing/2014/main" id="{844AA4C6-47DB-FB66-C4FE-87FD2A508282}"/>
               </a:ext>
             </a:extLst>
           </p:cNvPr>
@@ -910,7 +910,7 @@
           <a:bodyPr/>
           <a:lstStyle/>
           <a:p>
-            <a:fld id="{2E301E7B-1D27-4254-A2E9-98A48898F7AC}" type="slidenum">
+            <a:fld id="{D088C63B-25D1-4A69-8F55-E1D5BC0FC5A6}" type="slidenum">
               <a:rPr lang="zh-CN" altLang="en-US" smtClean="0"/>
               <a:t>‹#›</a:t>
             </a:fld>
@@ -921,7 +921,7 @@
     </p:spTree>
     <p:extLst>
       <p:ext uri="{BB962C8B-B14F-4D97-AF65-F5344CB8AC3E}">
-        <p14:creationId xmlns:p14="http://schemas.microsoft.com/office/powerpoint/2010/main" val="1786074916"/>
+        <p14:creationId xmlns:p14="http://schemas.microsoft.com/office/powerpoint/2010/main" val="923671629"/>
       </p:ext>
     </p:extLst>
   </p:cSld>
@@ -953,7 +953,7 @@
           <p:cNvPr id="2" name="标题 1">
             <a:extLst>
               <a:ext uri="{FF2B5EF4-FFF2-40B4-BE49-F238E27FC236}">
-                <a16:creationId xmlns:a16="http://schemas.microsoft.com/office/drawing/2014/main" id="{9FC8A09D-2D09-DBFD-7878-F77239782844}"/>
+                <a16:creationId xmlns:a16="http://schemas.microsoft.com/office/drawing/2014/main" id="{E941ADFD-101A-99A2-34E5-9F097CA9555F}"/>
               </a:ext>
             </a:extLst>
           </p:cNvPr>
@@ -990,7 +990,7 @@
           <p:cNvPr id="3" name="文本占位符 2">
             <a:extLst>
               <a:ext uri="{FF2B5EF4-FFF2-40B4-BE49-F238E27FC236}">
-                <a16:creationId xmlns:a16="http://schemas.microsoft.com/office/drawing/2014/main" id="{BBBBBF92-BC4F-1C2D-9638-4FF4221C273B}"/>
+                <a16:creationId xmlns:a16="http://schemas.microsoft.com/office/drawing/2014/main" id="{14512947-B166-607D-580A-035DF15B05A7}"/>
               </a:ext>
             </a:extLst>
           </p:cNvPr>
@@ -1115,7 +1115,7 @@
           <p:cNvPr id="4" name="日期占位符 3">
             <a:extLst>
               <a:ext uri="{FF2B5EF4-FFF2-40B4-BE49-F238E27FC236}">
-                <a16:creationId xmlns:a16="http://schemas.microsoft.com/office/drawing/2014/main" id="{46557811-B5D9-6DF6-9227-53C86E013A66}"/>
+                <a16:creationId xmlns:a16="http://schemas.microsoft.com/office/drawing/2014/main" id="{F25DBF19-7FBD-FAF0-713D-67CAB6221B15}"/>
               </a:ext>
             </a:extLst>
           </p:cNvPr>
@@ -1131,7 +1131,7 @@
           <a:bodyPr/>
           <a:lstStyle/>
           <a:p>
-            <a:fld id="{AE088C2C-3DBD-4602-9727-4E53893C8B62}" type="datetimeFigureOut">
+            <a:fld id="{8C73767E-02DC-483D-93C3-397E7F6A087F}" type="datetimeFigureOut">
               <a:rPr lang="zh-CN" altLang="en-US" smtClean="0"/>
               <a:t>2024/3/10</a:t>
             </a:fld>
@@ -1144,7 +1144,7 @@
           <p:cNvPr id="5" name="页脚占位符 4">
             <a:extLst>
               <a:ext uri="{FF2B5EF4-FFF2-40B4-BE49-F238E27FC236}">
-                <a16:creationId xmlns:a16="http://schemas.microsoft.com/office/drawing/2014/main" id="{EE3D8671-314D-C975-9CEA-D93F3C6BDD0B}"/>
+                <a16:creationId xmlns:a16="http://schemas.microsoft.com/office/drawing/2014/main" id="{763C2CFE-0E9B-F4AF-7CD2-F43CDF4106E5}"/>
               </a:ext>
             </a:extLst>
           </p:cNvPr>
@@ -1169,7 +1169,7 @@
           <p:cNvPr id="6" name="灯片编号占位符 5">
             <a:extLst>
               <a:ext uri="{FF2B5EF4-FFF2-40B4-BE49-F238E27FC236}">
-                <a16:creationId xmlns:a16="http://schemas.microsoft.com/office/drawing/2014/main" id="{2C14BB19-C340-168E-7B20-8231C99DC064}"/>
+                <a16:creationId xmlns:a16="http://schemas.microsoft.com/office/drawing/2014/main" id="{99434C07-942F-A3CC-7899-55167FA10C3C}"/>
               </a:ext>
             </a:extLst>
           </p:cNvPr>
@@ -1185,7 +1185,7 @@
           <a:bodyPr/>
           <a:lstStyle/>
           <a:p>
-            <a:fld id="{2E301E7B-1D27-4254-A2E9-98A48898F7AC}" type="slidenum">
+            <a:fld id="{D088C63B-25D1-4A69-8F55-E1D5BC0FC5A6}" type="slidenum">
               <a:rPr lang="zh-CN" altLang="en-US" smtClean="0"/>
               <a:t>‹#›</a:t>
             </a:fld>
@@ -1196,7 +1196,7 @@
     </p:spTree>
     <p:extLst>
       <p:ext uri="{BB962C8B-B14F-4D97-AF65-F5344CB8AC3E}">
-        <p14:creationId xmlns:p14="http://schemas.microsoft.com/office/powerpoint/2010/main" val="737623137"/>
+        <p14:creationId xmlns:p14="http://schemas.microsoft.com/office/powerpoint/2010/main" val="2418956564"/>
       </p:ext>
     </p:extLst>
   </p:cSld>
@@ -1228,7 +1228,7 @@
           <p:cNvPr id="2" name="标题 1">
             <a:extLst>
               <a:ext uri="{FF2B5EF4-FFF2-40B4-BE49-F238E27FC236}">
-                <a16:creationId xmlns:a16="http://schemas.microsoft.com/office/drawing/2014/main" id="{0962F3C6-BAFB-537A-838A-0A9F09312F75}"/>
+                <a16:creationId xmlns:a16="http://schemas.microsoft.com/office/drawing/2014/main" id="{7515EE63-6951-6F3D-9711-76D427CA4BE3}"/>
               </a:ext>
             </a:extLst>
           </p:cNvPr>
@@ -1256,7 +1256,7 @@
           <p:cNvPr id="3" name="内容占位符 2">
             <a:extLst>
               <a:ext uri="{FF2B5EF4-FFF2-40B4-BE49-F238E27FC236}">
-                <a16:creationId xmlns:a16="http://schemas.microsoft.com/office/drawing/2014/main" id="{93EB1B9C-8DA0-2FEF-C1AA-53F737CD4F46}"/>
+                <a16:creationId xmlns:a16="http://schemas.microsoft.com/office/drawing/2014/main" id="{A00636D3-E5A4-5FDE-23E5-60A5B33F345C}"/>
               </a:ext>
             </a:extLst>
           </p:cNvPr>
@@ -1318,7 +1318,7 @@
           <p:cNvPr id="4" name="内容占位符 3">
             <a:extLst>
               <a:ext uri="{FF2B5EF4-FFF2-40B4-BE49-F238E27FC236}">
-                <a16:creationId xmlns:a16="http://schemas.microsoft.com/office/drawing/2014/main" id="{9F235032-54C5-006F-1FFC-EF1F1EC59A42}"/>
+                <a16:creationId xmlns:a16="http://schemas.microsoft.com/office/drawing/2014/main" id="{A6F41DC5-21CE-1CFC-4003-996F3B1CA004}"/>
               </a:ext>
             </a:extLst>
           </p:cNvPr>
@@ -1380,7 +1380,7 @@
           <p:cNvPr id="5" name="日期占位符 4">
             <a:extLst>
               <a:ext uri="{FF2B5EF4-FFF2-40B4-BE49-F238E27FC236}">
-                <a16:creationId xmlns:a16="http://schemas.microsoft.com/office/drawing/2014/main" id="{0E6791A0-9EEA-CE8B-0D12-81FC539A1E3F}"/>
+                <a16:creationId xmlns:a16="http://schemas.microsoft.com/office/drawing/2014/main" id="{C9A62A00-1CE0-A159-EFF2-411C546CBFCE}"/>
               </a:ext>
             </a:extLst>
           </p:cNvPr>
@@ -1396,7 +1396,7 @@
           <a:bodyPr/>
           <a:lstStyle/>
           <a:p>
-            <a:fld id="{AE088C2C-3DBD-4602-9727-4E53893C8B62}" type="datetimeFigureOut">
+            <a:fld id="{8C73767E-02DC-483D-93C3-397E7F6A087F}" type="datetimeFigureOut">
               <a:rPr lang="zh-CN" altLang="en-US" smtClean="0"/>
               <a:t>2024/3/10</a:t>
             </a:fld>
@@ -1409,7 +1409,7 @@
           <p:cNvPr id="6" name="页脚占位符 5">
             <a:extLst>
               <a:ext uri="{FF2B5EF4-FFF2-40B4-BE49-F238E27FC236}">
-                <a16:creationId xmlns:a16="http://schemas.microsoft.com/office/drawing/2014/main" id="{9FB75BDA-6511-4E9C-0389-3EF752B9634C}"/>
+                <a16:creationId xmlns:a16="http://schemas.microsoft.com/office/drawing/2014/main" id="{B530B285-7464-4527-73B6-85DE8AD3FE5E}"/>
               </a:ext>
             </a:extLst>
           </p:cNvPr>
@@ -1434,7 +1434,7 @@
           <p:cNvPr id="7" name="灯片编号占位符 6">
             <a:extLst>
               <a:ext uri="{FF2B5EF4-FFF2-40B4-BE49-F238E27FC236}">
-                <a16:creationId xmlns:a16="http://schemas.microsoft.com/office/drawing/2014/main" id="{ECE6DB57-94A7-816A-9D1E-C719DD511589}"/>
+                <a16:creationId xmlns:a16="http://schemas.microsoft.com/office/drawing/2014/main" id="{68155BDD-661A-6A41-9D38-E603AA3ACBD1}"/>
               </a:ext>
             </a:extLst>
           </p:cNvPr>
@@ -1450,7 +1450,7 @@
           <a:bodyPr/>
           <a:lstStyle/>
           <a:p>
-            <a:fld id="{2E301E7B-1D27-4254-A2E9-98A48898F7AC}" type="slidenum">
+            <a:fld id="{D088C63B-25D1-4A69-8F55-E1D5BC0FC5A6}" type="slidenum">
               <a:rPr lang="zh-CN" altLang="en-US" smtClean="0"/>
               <a:t>‹#›</a:t>
             </a:fld>
@@ -1461,7 +1461,7 @@
     </p:spTree>
     <p:extLst>
       <p:ext uri="{BB962C8B-B14F-4D97-AF65-F5344CB8AC3E}">
-        <p14:creationId xmlns:p14="http://schemas.microsoft.com/office/powerpoint/2010/main" val="3289899644"/>
+        <p14:creationId xmlns:p14="http://schemas.microsoft.com/office/powerpoint/2010/main" val="3772395014"/>
       </p:ext>
     </p:extLst>
   </p:cSld>
@@ -1493,7 +1493,7 @@
           <p:cNvPr id="2" name="标题 1">
             <a:extLst>
               <a:ext uri="{FF2B5EF4-FFF2-40B4-BE49-F238E27FC236}">
-                <a16:creationId xmlns:a16="http://schemas.microsoft.com/office/drawing/2014/main" id="{A0EA2FE9-5686-31C6-BE1A-E68AF5042857}"/>
+                <a16:creationId xmlns:a16="http://schemas.microsoft.com/office/drawing/2014/main" id="{113CE460-4383-0743-E455-902DC7A1CD2B}"/>
               </a:ext>
             </a:extLst>
           </p:cNvPr>
@@ -1526,7 +1526,7 @@
           <p:cNvPr id="3" name="文本占位符 2">
             <a:extLst>
               <a:ext uri="{FF2B5EF4-FFF2-40B4-BE49-F238E27FC236}">
-                <a16:creationId xmlns:a16="http://schemas.microsoft.com/office/drawing/2014/main" id="{37456B8B-FCA4-89AC-96B6-A0FF42303979}"/>
+                <a16:creationId xmlns:a16="http://schemas.microsoft.com/office/drawing/2014/main" id="{287154B7-68B8-B2A4-68DE-81911923FC04}"/>
               </a:ext>
             </a:extLst>
           </p:cNvPr>
@@ -1597,7 +1597,7 @@
           <p:cNvPr id="4" name="内容占位符 3">
             <a:extLst>
               <a:ext uri="{FF2B5EF4-FFF2-40B4-BE49-F238E27FC236}">
-                <a16:creationId xmlns:a16="http://schemas.microsoft.com/office/drawing/2014/main" id="{77E26A58-CCB5-E2FB-089E-93B5E37D9732}"/>
+                <a16:creationId xmlns:a16="http://schemas.microsoft.com/office/drawing/2014/main" id="{80203E55-FB01-6A49-C2A9-519B4D87FCF4}"/>
               </a:ext>
             </a:extLst>
           </p:cNvPr>
@@ -1659,7 +1659,7 @@
           <p:cNvPr id="5" name="文本占位符 4">
             <a:extLst>
               <a:ext uri="{FF2B5EF4-FFF2-40B4-BE49-F238E27FC236}">
-                <a16:creationId xmlns:a16="http://schemas.microsoft.com/office/drawing/2014/main" id="{BD5EBD96-3688-152B-CE64-DCC2977373A4}"/>
+                <a16:creationId xmlns:a16="http://schemas.microsoft.com/office/drawing/2014/main" id="{887EA3C3-10CF-A313-4AD4-3BFB3AE7144C}"/>
               </a:ext>
             </a:extLst>
           </p:cNvPr>
@@ -1730,7 +1730,7 @@
           <p:cNvPr id="6" name="内容占位符 5">
             <a:extLst>
               <a:ext uri="{FF2B5EF4-FFF2-40B4-BE49-F238E27FC236}">
-                <a16:creationId xmlns:a16="http://schemas.microsoft.com/office/drawing/2014/main" id="{7E40FAFC-3E73-C169-4EF8-A551762EB538}"/>
+                <a16:creationId xmlns:a16="http://schemas.microsoft.com/office/drawing/2014/main" id="{40B87613-2A27-E255-79C3-DF961B4C653A}"/>
               </a:ext>
             </a:extLst>
           </p:cNvPr>
@@ -1792,7 +1792,7 @@
           <p:cNvPr id="7" name="日期占位符 6">
             <a:extLst>
               <a:ext uri="{FF2B5EF4-FFF2-40B4-BE49-F238E27FC236}">
-                <a16:creationId xmlns:a16="http://schemas.microsoft.com/office/drawing/2014/main" id="{D9391875-C326-0449-9C0F-B57047238386}"/>
+                <a16:creationId xmlns:a16="http://schemas.microsoft.com/office/drawing/2014/main" id="{38FB96DA-F48E-CFDE-38C4-B2717591A172}"/>
               </a:ext>
             </a:extLst>
           </p:cNvPr>
@@ -1808,7 +1808,7 @@
           <a:bodyPr/>
           <a:lstStyle/>
           <a:p>
-            <a:fld id="{AE088C2C-3DBD-4602-9727-4E53893C8B62}" type="datetimeFigureOut">
+            <a:fld id="{8C73767E-02DC-483D-93C3-397E7F6A087F}" type="datetimeFigureOut">
               <a:rPr lang="zh-CN" altLang="en-US" smtClean="0"/>
               <a:t>2024/3/10</a:t>
             </a:fld>
@@ -1821,7 +1821,7 @@
           <p:cNvPr id="8" name="页脚占位符 7">
             <a:extLst>
               <a:ext uri="{FF2B5EF4-FFF2-40B4-BE49-F238E27FC236}">
-                <a16:creationId xmlns:a16="http://schemas.microsoft.com/office/drawing/2014/main" id="{7E0B7856-4F74-0A36-9D82-25C1DB2BA789}"/>
+                <a16:creationId xmlns:a16="http://schemas.microsoft.com/office/drawing/2014/main" id="{87C2D205-27EE-5D56-AB1B-7844E341051A}"/>
               </a:ext>
             </a:extLst>
           </p:cNvPr>
@@ -1846,7 +1846,7 @@
           <p:cNvPr id="9" name="灯片编号占位符 8">
             <a:extLst>
               <a:ext uri="{FF2B5EF4-FFF2-40B4-BE49-F238E27FC236}">
-                <a16:creationId xmlns:a16="http://schemas.microsoft.com/office/drawing/2014/main" id="{D65638E8-EF14-AA87-F4D4-4A0CB3960BC8}"/>
+                <a16:creationId xmlns:a16="http://schemas.microsoft.com/office/drawing/2014/main" id="{D37AD640-29CF-7EEA-F837-821A5DD9A845}"/>
               </a:ext>
             </a:extLst>
           </p:cNvPr>
@@ -1862,7 +1862,7 @@
           <a:bodyPr/>
           <a:lstStyle/>
           <a:p>
-            <a:fld id="{2E301E7B-1D27-4254-A2E9-98A48898F7AC}" type="slidenum">
+            <a:fld id="{D088C63B-25D1-4A69-8F55-E1D5BC0FC5A6}" type="slidenum">
               <a:rPr lang="zh-CN" altLang="en-US" smtClean="0"/>
               <a:t>‹#›</a:t>
             </a:fld>
@@ -1873,7 +1873,7 @@
     </p:spTree>
     <p:extLst>
       <p:ext uri="{BB962C8B-B14F-4D97-AF65-F5344CB8AC3E}">
-        <p14:creationId xmlns:p14="http://schemas.microsoft.com/office/powerpoint/2010/main" val="672176559"/>
+        <p14:creationId xmlns:p14="http://schemas.microsoft.com/office/powerpoint/2010/main" val="3401415113"/>
       </p:ext>
     </p:extLst>
   </p:cSld>
@@ -1905,7 +1905,7 @@
           <p:cNvPr id="2" name="标题 1">
             <a:extLst>
               <a:ext uri="{FF2B5EF4-FFF2-40B4-BE49-F238E27FC236}">
-                <a16:creationId xmlns:a16="http://schemas.microsoft.com/office/drawing/2014/main" id="{BA5D8BFA-11B2-09A5-5BE6-B27CD51813D2}"/>
+                <a16:creationId xmlns:a16="http://schemas.microsoft.com/office/drawing/2014/main" id="{5C08DE0E-E7F6-AD86-8A7B-BE4DDEDFFE2F}"/>
               </a:ext>
             </a:extLst>
           </p:cNvPr>
@@ -1933,7 +1933,7 @@
           <p:cNvPr id="3" name="日期占位符 2">
             <a:extLst>
               <a:ext uri="{FF2B5EF4-FFF2-40B4-BE49-F238E27FC236}">
-                <a16:creationId xmlns:a16="http://schemas.microsoft.com/office/drawing/2014/main" id="{43DC7C6D-20AA-6518-E3D7-0453C2FEDC28}"/>
+                <a16:creationId xmlns:a16="http://schemas.microsoft.com/office/drawing/2014/main" id="{A1B979CB-1E68-38DC-154C-0A523CA37B22}"/>
               </a:ext>
             </a:extLst>
           </p:cNvPr>
@@ -1949,7 +1949,7 @@
           <a:bodyPr/>
           <a:lstStyle/>
           <a:p>
-            <a:fld id="{AE088C2C-3DBD-4602-9727-4E53893C8B62}" type="datetimeFigureOut">
+            <a:fld id="{8C73767E-02DC-483D-93C3-397E7F6A087F}" type="datetimeFigureOut">
               <a:rPr lang="zh-CN" altLang="en-US" smtClean="0"/>
               <a:t>2024/3/10</a:t>
             </a:fld>
@@ -1962,7 +1962,7 @@
           <p:cNvPr id="4" name="页脚占位符 3">
             <a:extLst>
               <a:ext uri="{FF2B5EF4-FFF2-40B4-BE49-F238E27FC236}">
-                <a16:creationId xmlns:a16="http://schemas.microsoft.com/office/drawing/2014/main" id="{2548657E-3D15-C298-D944-BC412FE78BAC}"/>
+                <a16:creationId xmlns:a16="http://schemas.microsoft.com/office/drawing/2014/main" id="{B50B592B-88E3-15C1-0C1A-0566FAC43168}"/>
               </a:ext>
             </a:extLst>
           </p:cNvPr>
@@ -1987,7 +1987,7 @@
           <p:cNvPr id="5" name="灯片编号占位符 4">
             <a:extLst>
               <a:ext uri="{FF2B5EF4-FFF2-40B4-BE49-F238E27FC236}">
-                <a16:creationId xmlns:a16="http://schemas.microsoft.com/office/drawing/2014/main" id="{97F38F58-011F-B0F5-F378-A45BF7129680}"/>
+                <a16:creationId xmlns:a16="http://schemas.microsoft.com/office/drawing/2014/main" id="{A62387E3-35EF-05E3-0FDB-A8A7F29B9B08}"/>
               </a:ext>
             </a:extLst>
           </p:cNvPr>
@@ -2003,7 +2003,7 @@
           <a:bodyPr/>
           <a:lstStyle/>
           <a:p>
-            <a:fld id="{2E301E7B-1D27-4254-A2E9-98A48898F7AC}" type="slidenum">
+            <a:fld id="{D088C63B-25D1-4A69-8F55-E1D5BC0FC5A6}" type="slidenum">
               <a:rPr lang="zh-CN" altLang="en-US" smtClean="0"/>
               <a:t>‹#›</a:t>
             </a:fld>
@@ -2014,7 +2014,7 @@
     </p:spTree>
     <p:extLst>
       <p:ext uri="{BB962C8B-B14F-4D97-AF65-F5344CB8AC3E}">
-        <p14:creationId xmlns:p14="http://schemas.microsoft.com/office/powerpoint/2010/main" val="2711066173"/>
+        <p14:creationId xmlns:p14="http://schemas.microsoft.com/office/powerpoint/2010/main" val="3945233760"/>
       </p:ext>
     </p:extLst>
   </p:cSld>
@@ -2046,7 +2046,7 @@
           <p:cNvPr id="2" name="日期占位符 1">
             <a:extLst>
               <a:ext uri="{FF2B5EF4-FFF2-40B4-BE49-F238E27FC236}">
-                <a16:creationId xmlns:a16="http://schemas.microsoft.com/office/drawing/2014/main" id="{72F17B0E-413F-66BC-2949-229D054A0757}"/>
+                <a16:creationId xmlns:a16="http://schemas.microsoft.com/office/drawing/2014/main" id="{471451B0-08B3-0ED6-B30B-954BC2AD6490}"/>
               </a:ext>
             </a:extLst>
           </p:cNvPr>
@@ -2062,7 +2062,7 @@
           <a:bodyPr/>
           <a:lstStyle/>
           <a:p>
-            <a:fld id="{AE088C2C-3DBD-4602-9727-4E53893C8B62}" type="datetimeFigureOut">
+            <a:fld id="{8C73767E-02DC-483D-93C3-397E7F6A087F}" type="datetimeFigureOut">
               <a:rPr lang="zh-CN" altLang="en-US" smtClean="0"/>
               <a:t>2024/3/10</a:t>
             </a:fld>
@@ -2075,7 +2075,7 @@
           <p:cNvPr id="3" name="页脚占位符 2">
             <a:extLst>
               <a:ext uri="{FF2B5EF4-FFF2-40B4-BE49-F238E27FC236}">
-                <a16:creationId xmlns:a16="http://schemas.microsoft.com/office/drawing/2014/main" id="{23D25512-8D1B-F469-325F-692618D101F2}"/>
+                <a16:creationId xmlns:a16="http://schemas.microsoft.com/office/drawing/2014/main" id="{017DD8C0-F01F-E94E-9263-B158FFC5F1EE}"/>
               </a:ext>
             </a:extLst>
           </p:cNvPr>
@@ -2100,7 +2100,7 @@
           <p:cNvPr id="4" name="灯片编号占位符 3">
             <a:extLst>
               <a:ext uri="{FF2B5EF4-FFF2-40B4-BE49-F238E27FC236}">
-                <a16:creationId xmlns:a16="http://schemas.microsoft.com/office/drawing/2014/main" id="{2E1FCB5D-4DD5-8904-1526-0C50C52B2239}"/>
+                <a16:creationId xmlns:a16="http://schemas.microsoft.com/office/drawing/2014/main" id="{33DB664A-FC5F-54A8-DE8D-A193DBA3A68F}"/>
               </a:ext>
             </a:extLst>
           </p:cNvPr>
@@ -2116,7 +2116,7 @@
           <a:bodyPr/>
           <a:lstStyle/>
           <a:p>
-            <a:fld id="{2E301E7B-1D27-4254-A2E9-98A48898F7AC}" type="slidenum">
+            <a:fld id="{D088C63B-25D1-4A69-8F55-E1D5BC0FC5A6}" type="slidenum">
               <a:rPr lang="zh-CN" altLang="en-US" smtClean="0"/>
               <a:t>‹#›</a:t>
             </a:fld>
@@ -2127,7 +2127,7 @@
     </p:spTree>
     <p:extLst>
       <p:ext uri="{BB962C8B-B14F-4D97-AF65-F5344CB8AC3E}">
-        <p14:creationId xmlns:p14="http://schemas.microsoft.com/office/powerpoint/2010/main" val="547990712"/>
+        <p14:creationId xmlns:p14="http://schemas.microsoft.com/office/powerpoint/2010/main" val="1795666773"/>
       </p:ext>
     </p:extLst>
   </p:cSld>
@@ -2159,7 +2159,7 @@
           <p:cNvPr id="2" name="标题 1">
             <a:extLst>
               <a:ext uri="{FF2B5EF4-FFF2-40B4-BE49-F238E27FC236}">
-                <a16:creationId xmlns:a16="http://schemas.microsoft.com/office/drawing/2014/main" id="{025C3DE0-9CC7-6469-3DF7-3BCC38C1E860}"/>
+                <a16:creationId xmlns:a16="http://schemas.microsoft.com/office/drawing/2014/main" id="{D43BF781-EDC2-3EA2-43B5-47184F8A478F}"/>
               </a:ext>
             </a:extLst>
           </p:cNvPr>
@@ -2196,7 +2196,7 @@
           <p:cNvPr id="3" name="内容占位符 2">
             <a:extLst>
               <a:ext uri="{FF2B5EF4-FFF2-40B4-BE49-F238E27FC236}">
-                <a16:creationId xmlns:a16="http://schemas.microsoft.com/office/drawing/2014/main" id="{DC7A35DB-5DF7-3176-0E47-7182DFDA1706}"/>
+                <a16:creationId xmlns:a16="http://schemas.microsoft.com/office/drawing/2014/main" id="{2E3C190E-9FD5-32C9-2D8E-416BD81BBEBA}"/>
               </a:ext>
             </a:extLst>
           </p:cNvPr>
@@ -2286,7 +2286,7 @@
           <p:cNvPr id="4" name="文本占位符 3">
             <a:extLst>
               <a:ext uri="{FF2B5EF4-FFF2-40B4-BE49-F238E27FC236}">
-                <a16:creationId xmlns:a16="http://schemas.microsoft.com/office/drawing/2014/main" id="{30453DF9-C14B-8629-252D-AA245A469C23}"/>
+                <a16:creationId xmlns:a16="http://schemas.microsoft.com/office/drawing/2014/main" id="{CA71B9D7-63FD-45B3-070F-E8D7A0C36887}"/>
               </a:ext>
             </a:extLst>
           </p:cNvPr>
@@ -2357,7 +2357,7 @@
           <p:cNvPr id="5" name="日期占位符 4">
             <a:extLst>
               <a:ext uri="{FF2B5EF4-FFF2-40B4-BE49-F238E27FC236}">
-                <a16:creationId xmlns:a16="http://schemas.microsoft.com/office/drawing/2014/main" id="{EC116F37-581C-4ED2-5A23-5E439EB5C895}"/>
+                <a16:creationId xmlns:a16="http://schemas.microsoft.com/office/drawing/2014/main" id="{F1D1F127-8349-C931-2362-3059D7B02981}"/>
               </a:ext>
             </a:extLst>
           </p:cNvPr>
@@ -2373,7 +2373,7 @@
           <a:bodyPr/>
           <a:lstStyle/>
           <a:p>
-            <a:fld id="{AE088C2C-3DBD-4602-9727-4E53893C8B62}" type="datetimeFigureOut">
+            <a:fld id="{8C73767E-02DC-483D-93C3-397E7F6A087F}" type="datetimeFigureOut">
               <a:rPr lang="zh-CN" altLang="en-US" smtClean="0"/>
               <a:t>2024/3/10</a:t>
             </a:fld>
@@ -2386,7 +2386,7 @@
           <p:cNvPr id="6" name="页脚占位符 5">
             <a:extLst>
               <a:ext uri="{FF2B5EF4-FFF2-40B4-BE49-F238E27FC236}">
-                <a16:creationId xmlns:a16="http://schemas.microsoft.com/office/drawing/2014/main" id="{991DD745-91FB-F515-CCF0-A787020BFC0F}"/>
+                <a16:creationId xmlns:a16="http://schemas.microsoft.com/office/drawing/2014/main" id="{E86223C0-3014-3292-431A-3C2B545B4A2E}"/>
               </a:ext>
             </a:extLst>
           </p:cNvPr>
@@ -2411,7 +2411,7 @@
           <p:cNvPr id="7" name="灯片编号占位符 6">
             <a:extLst>
               <a:ext uri="{FF2B5EF4-FFF2-40B4-BE49-F238E27FC236}">
-                <a16:creationId xmlns:a16="http://schemas.microsoft.com/office/drawing/2014/main" id="{6F900DEA-AE83-B0B3-39B8-AF1349CD5285}"/>
+                <a16:creationId xmlns:a16="http://schemas.microsoft.com/office/drawing/2014/main" id="{679CC601-D648-B4EA-2B55-72AEEAC478E1}"/>
               </a:ext>
             </a:extLst>
           </p:cNvPr>
@@ -2427,7 +2427,7 @@
           <a:bodyPr/>
           <a:lstStyle/>
           <a:p>
-            <a:fld id="{2E301E7B-1D27-4254-A2E9-98A48898F7AC}" type="slidenum">
+            <a:fld id="{D088C63B-25D1-4A69-8F55-E1D5BC0FC5A6}" type="slidenum">
               <a:rPr lang="zh-CN" altLang="en-US" smtClean="0"/>
               <a:t>‹#›</a:t>
             </a:fld>
@@ -2438,7 +2438,7 @@
     </p:spTree>
     <p:extLst>
       <p:ext uri="{BB962C8B-B14F-4D97-AF65-F5344CB8AC3E}">
-        <p14:creationId xmlns:p14="http://schemas.microsoft.com/office/powerpoint/2010/main" val="2339132757"/>
+        <p14:creationId xmlns:p14="http://schemas.microsoft.com/office/powerpoint/2010/main" val="2890892200"/>
       </p:ext>
     </p:extLst>
   </p:cSld>
@@ -2470,7 +2470,7 @@
           <p:cNvPr id="2" name="标题 1">
             <a:extLst>
               <a:ext uri="{FF2B5EF4-FFF2-40B4-BE49-F238E27FC236}">
-                <a16:creationId xmlns:a16="http://schemas.microsoft.com/office/drawing/2014/main" id="{6CA9C3C6-8AFA-B344-A28D-99FFA1F3AD84}"/>
+                <a16:creationId xmlns:a16="http://schemas.microsoft.com/office/drawing/2014/main" id="{3ED95CCB-05C2-5887-E6E3-D2F5D7B89143}"/>
               </a:ext>
             </a:extLst>
           </p:cNvPr>
@@ -2507,7 +2507,7 @@
           <p:cNvPr id="3" name="图片占位符 2">
             <a:extLst>
               <a:ext uri="{FF2B5EF4-FFF2-40B4-BE49-F238E27FC236}">
-                <a16:creationId xmlns:a16="http://schemas.microsoft.com/office/drawing/2014/main" id="{E34E845D-507E-66B6-88B5-F4E81A5A4DA5}"/>
+                <a16:creationId xmlns:a16="http://schemas.microsoft.com/office/drawing/2014/main" id="{347F5C9B-207E-6CE6-A1F9-44E3FFD7FCCA}"/>
               </a:ext>
             </a:extLst>
           </p:cNvPr>
@@ -2574,7 +2574,7 @@
           <p:cNvPr id="4" name="文本占位符 3">
             <a:extLst>
               <a:ext uri="{FF2B5EF4-FFF2-40B4-BE49-F238E27FC236}">
-                <a16:creationId xmlns:a16="http://schemas.microsoft.com/office/drawing/2014/main" id="{36091CEA-F61C-2307-84C8-E97C4D24B3FA}"/>
+                <a16:creationId xmlns:a16="http://schemas.microsoft.com/office/drawing/2014/main" id="{6482B5A0-2658-1F9D-08DD-456B262F675E}"/>
               </a:ext>
             </a:extLst>
           </p:cNvPr>
@@ -2645,7 +2645,7 @@
           <p:cNvPr id="5" name="日期占位符 4">
             <a:extLst>
               <a:ext uri="{FF2B5EF4-FFF2-40B4-BE49-F238E27FC236}">
-                <a16:creationId xmlns:a16="http://schemas.microsoft.com/office/drawing/2014/main" id="{1B8641F7-B8AB-43D6-A701-1CD7B41038C6}"/>
+                <a16:creationId xmlns:a16="http://schemas.microsoft.com/office/drawing/2014/main" id="{4804947C-C123-DE3E-DD84-3F33577E58C0}"/>
               </a:ext>
             </a:extLst>
           </p:cNvPr>
@@ -2661,7 +2661,7 @@
           <a:bodyPr/>
           <a:lstStyle/>
           <a:p>
-            <a:fld id="{AE088C2C-3DBD-4602-9727-4E53893C8B62}" type="datetimeFigureOut">
+            <a:fld id="{8C73767E-02DC-483D-93C3-397E7F6A087F}" type="datetimeFigureOut">
               <a:rPr lang="zh-CN" altLang="en-US" smtClean="0"/>
               <a:t>2024/3/10</a:t>
             </a:fld>
@@ -2674,7 +2674,7 @@
           <p:cNvPr id="6" name="页脚占位符 5">
             <a:extLst>
               <a:ext uri="{FF2B5EF4-FFF2-40B4-BE49-F238E27FC236}">
-                <a16:creationId xmlns:a16="http://schemas.microsoft.com/office/drawing/2014/main" id="{412E90E9-BFC5-1C3C-20C2-C0DF8394E248}"/>
+                <a16:creationId xmlns:a16="http://schemas.microsoft.com/office/drawing/2014/main" id="{DD6D6933-358F-95CE-5C18-33AE3D86DF88}"/>
               </a:ext>
             </a:extLst>
           </p:cNvPr>
@@ -2699,7 +2699,7 @@
           <p:cNvPr id="7" name="灯片编号占位符 6">
             <a:extLst>
               <a:ext uri="{FF2B5EF4-FFF2-40B4-BE49-F238E27FC236}">
-                <a16:creationId xmlns:a16="http://schemas.microsoft.com/office/drawing/2014/main" id="{2C292BA5-0DC5-C809-BA3C-2CAEDD161621}"/>
+                <a16:creationId xmlns:a16="http://schemas.microsoft.com/office/drawing/2014/main" id="{E898C5BD-7219-F387-E3D5-B66A0D6ECA80}"/>
               </a:ext>
             </a:extLst>
           </p:cNvPr>
@@ -2715,7 +2715,7 @@
           <a:bodyPr/>
           <a:lstStyle/>
           <a:p>
-            <a:fld id="{2E301E7B-1D27-4254-A2E9-98A48898F7AC}" type="slidenum">
+            <a:fld id="{D088C63B-25D1-4A69-8F55-E1D5BC0FC5A6}" type="slidenum">
               <a:rPr lang="zh-CN" altLang="en-US" smtClean="0"/>
               <a:t>‹#›</a:t>
             </a:fld>
@@ -2726,7 +2726,7 @@
     </p:spTree>
     <p:extLst>
       <p:ext uri="{BB962C8B-B14F-4D97-AF65-F5344CB8AC3E}">
-        <p14:creationId xmlns:p14="http://schemas.microsoft.com/office/powerpoint/2010/main" val="3249341459"/>
+        <p14:creationId xmlns:p14="http://schemas.microsoft.com/office/powerpoint/2010/main" val="1676050091"/>
       </p:ext>
     </p:extLst>
   </p:cSld>
@@ -2763,7 +2763,7 @@
           <p:cNvPr id="2" name="标题占位符 1">
             <a:extLst>
               <a:ext uri="{FF2B5EF4-FFF2-40B4-BE49-F238E27FC236}">
-                <a16:creationId xmlns:a16="http://schemas.microsoft.com/office/drawing/2014/main" id="{34931577-251E-E943-7988-B7C3A1868E01}"/>
+                <a16:creationId xmlns:a16="http://schemas.microsoft.com/office/drawing/2014/main" id="{10101071-9FAB-A822-1433-A7BE5E12F184}"/>
               </a:ext>
             </a:extLst>
           </p:cNvPr>
@@ -2801,7 +2801,7 @@
           <p:cNvPr id="3" name="文本占位符 2">
             <a:extLst>
               <a:ext uri="{FF2B5EF4-FFF2-40B4-BE49-F238E27FC236}">
-                <a16:creationId xmlns:a16="http://schemas.microsoft.com/office/drawing/2014/main" id="{ED3097A7-9ACB-3E04-5E4D-EE567145A221}"/>
+                <a16:creationId xmlns:a16="http://schemas.microsoft.com/office/drawing/2014/main" id="{91272612-C238-A1C7-889E-1E9EFCBA5D1C}"/>
               </a:ext>
             </a:extLst>
           </p:cNvPr>
@@ -2868,7 +2868,7 @@
           <p:cNvPr id="4" name="日期占位符 3">
             <a:extLst>
               <a:ext uri="{FF2B5EF4-FFF2-40B4-BE49-F238E27FC236}">
-                <a16:creationId xmlns:a16="http://schemas.microsoft.com/office/drawing/2014/main" id="{3A2C6BDA-C306-8647-F51D-01FA63CD190C}"/>
+                <a16:creationId xmlns:a16="http://schemas.microsoft.com/office/drawing/2014/main" id="{BDFAED82-5D51-C1C8-038D-1E33546328F7}"/>
               </a:ext>
             </a:extLst>
           </p:cNvPr>
@@ -2902,7 +2902,7 @@
             </a:lvl1pPr>
           </a:lstStyle>
           <a:p>
-            <a:fld id="{AE088C2C-3DBD-4602-9727-4E53893C8B62}" type="datetimeFigureOut">
+            <a:fld id="{8C73767E-02DC-483D-93C3-397E7F6A087F}" type="datetimeFigureOut">
               <a:rPr lang="zh-CN" altLang="en-US" smtClean="0"/>
               <a:t>2024/3/10</a:t>
             </a:fld>
@@ -2915,7 +2915,7 @@
           <p:cNvPr id="5" name="页脚占位符 4">
             <a:extLst>
               <a:ext uri="{FF2B5EF4-FFF2-40B4-BE49-F238E27FC236}">
-                <a16:creationId xmlns:a16="http://schemas.microsoft.com/office/drawing/2014/main" id="{17EA5532-1B63-4294-CECF-B6E5430394BC}"/>
+                <a16:creationId xmlns:a16="http://schemas.microsoft.com/office/drawing/2014/main" id="{9458C0ED-76E8-CEAF-89CC-354694716A12}"/>
               </a:ext>
             </a:extLst>
           </p:cNvPr>
@@ -2958,7 +2958,7 @@
           <p:cNvPr id="6" name="灯片编号占位符 5">
             <a:extLst>
               <a:ext uri="{FF2B5EF4-FFF2-40B4-BE49-F238E27FC236}">
-                <a16:creationId xmlns:a16="http://schemas.microsoft.com/office/drawing/2014/main" id="{80D9DBA5-4CB2-6A01-92D9-B98EAC63F564}"/>
+                <a16:creationId xmlns:a16="http://schemas.microsoft.com/office/drawing/2014/main" id="{6678722B-0C78-88B3-8ACD-C3CF2D9F3078}"/>
               </a:ext>
             </a:extLst>
           </p:cNvPr>
@@ -2992,7 +2992,7 @@
             </a:lvl1pPr>
           </a:lstStyle>
           <a:p>
-            <a:fld id="{2E301E7B-1D27-4254-A2E9-98A48898F7AC}" type="slidenum">
+            <a:fld id="{D088C63B-25D1-4A69-8F55-E1D5BC0FC5A6}" type="slidenum">
               <a:rPr lang="zh-CN" altLang="en-US" smtClean="0"/>
               <a:t>‹#›</a:t>
             </a:fld>
@@ -3003,7 +3003,7 @@
     </p:spTree>
     <p:extLst>
       <p:ext uri="{BB962C8B-B14F-4D97-AF65-F5344CB8AC3E}">
-        <p14:creationId xmlns:p14="http://schemas.microsoft.com/office/powerpoint/2010/main" val="319734830"/>
+        <p14:creationId xmlns:p14="http://schemas.microsoft.com/office/powerpoint/2010/main" val="441813477"/>
       </p:ext>
     </p:extLst>
   </p:cSld>
